--- a/314-tts/tp-final/presenta/tts-tp-final-ppt.pptx
+++ b/314-tts/tp-final/presenta/tts-tp-final-ppt.pptx
@@ -5,7 +5,7 @@
     <p:sldMasterId id="2147483648" r:id="rId1"/>
   </p:sldMasterIdLst>
   <p:notesMasterIdLst>
-    <p:notesMasterId r:id="rId12"/>
+    <p:notesMasterId r:id="rId9"/>
   </p:notesMasterIdLst>
   <p:sldIdLst>
     <p:sldId id="256" r:id="rId4"/>
@@ -13,9 +13,6 @@
     <p:sldId id="258" r:id="rId6"/>
     <p:sldId id="259" r:id="rId7"/>
     <p:sldId id="260" r:id="rId8"/>
-    <p:sldId id="261" r:id="rId9"/>
-    <p:sldId id="262" r:id="rId10"/>
-    <p:sldId id="263" r:id="rId11"/>
   </p:sldIdLst>
   <p:sldSz cx="12192000" cy="6858000"/>
   <p:notesSz cx="6858000" cy="9144000"/>
@@ -690,7 +687,7 @@
       </p:grpSpPr>
       <p:sp>
         <p:nvSpPr>
-          <p:cNvPr id="1838937147" name="Slide Image Placeholder 1"/>
+          <p:cNvPr id="1745629967" name="Slide Image Placeholder 1"/>
           <p:cNvSpPr>
             <a:spLocks noChangeAspect="1" noGrp="1" noRot="1"/>
           </p:cNvSpPr>
@@ -707,7 +704,7 @@
       </p:sp>
       <p:sp>
         <p:nvSpPr>
-          <p:cNvPr id="237911018" name="Notes Placeholder 2"/>
+          <p:cNvPr id="1504542663" name="Notes Placeholder 2"/>
           <p:cNvSpPr>
             <a:spLocks noGrp="1"/>
           </p:cNvSpPr>
@@ -732,7 +729,7 @@
       </p:sp>
       <p:sp>
         <p:nvSpPr>
-          <p:cNvPr id="268159964" name="Slide Number Placeholder 3"/>
+          <p:cNvPr id="1489925838" name="Slide Number Placeholder 3"/>
           <p:cNvSpPr>
             <a:spLocks noGrp="1"/>
           </p:cNvSpPr>
@@ -748,7 +745,7 @@
             <a:pPr>
               <a:defRPr/>
             </a:pPr>
-            <a:fld id="{910431E3-3EA5-2C53-B1D2-DA245B723046}" type="slidenum">
+            <a:fld id="{96B615D0-8AEC-FCA5-80D1-C9D75CE366FE}" type="slidenum">
               <a:rPr lang="es-ES"/>
               <a:t/>
             </a:fld>
@@ -780,7 +777,7 @@
       </p:grpSpPr>
       <p:sp>
         <p:nvSpPr>
-          <p:cNvPr id="1745629967" name="Slide Image Placeholder 1"/>
+          <p:cNvPr id="1434715160" name="Slide Image Placeholder 1"/>
           <p:cNvSpPr>
             <a:spLocks noChangeAspect="1" noGrp="1" noRot="1"/>
           </p:cNvSpPr>
@@ -797,7 +794,7 @@
       </p:sp>
       <p:sp>
         <p:nvSpPr>
-          <p:cNvPr id="1504542663" name="Notes Placeholder 2"/>
+          <p:cNvPr id="1381557511" name="Notes Placeholder 2"/>
           <p:cNvSpPr>
             <a:spLocks noGrp="1"/>
           </p:cNvSpPr>
@@ -822,7 +819,7 @@
       </p:sp>
       <p:sp>
         <p:nvSpPr>
-          <p:cNvPr id="1489925838" name="Slide Number Placeholder 3"/>
+          <p:cNvPr id="2007618263" name="Slide Number Placeholder 3"/>
           <p:cNvSpPr>
             <a:spLocks noGrp="1"/>
           </p:cNvSpPr>
@@ -838,7 +835,7 @@
             <a:pPr>
               <a:defRPr/>
             </a:pPr>
-            <a:fld id="{96B615D0-8AEC-FCA5-80D1-C9D75CE366FE}" type="slidenum">
+            <a:fld id="{3F526197-B8BF-7309-9A59-55B99E6721D2}" type="slidenum">
               <a:rPr lang="es-ES"/>
               <a:t/>
             </a:fld>
@@ -852,276 +849,6 @@
 </file>
 
 <file path=ppt/notesSlides/notesSlide5.xml><?xml version="1.0" encoding="utf-8"?>
-<p:notes xmlns:a="http://schemas.openxmlformats.org/drawingml/2006/main" xmlns:r="http://schemas.openxmlformats.org/officeDocument/2006/relationships" xmlns:p="http://schemas.openxmlformats.org/presentationml/2006/main" xmlns:m="http://schemas.openxmlformats.org/officeDocument/2006/math" xmlns:w="http://schemas.openxmlformats.org/wordprocessingml/2006/main">
-  <p:cSld name="">
-    <p:spTree>
-      <p:nvGrpSpPr>
-        <p:cNvPr id="1" name=""/>
-        <p:cNvGrpSpPr/>
-        <p:nvPr/>
-      </p:nvGrpSpPr>
-      <p:grpSpPr bwMode="auto">
-        <a:xfrm>
-          <a:off x="0" y="0"/>
-          <a:ext cx="0" cy="0"/>
-          <a:chOff x="0" y="0"/>
-          <a:chExt cx="0" cy="0"/>
-        </a:xfrm>
-      </p:grpSpPr>
-      <p:sp>
-        <p:nvSpPr>
-          <p:cNvPr id="2035142601" name="Slide Image Placeholder 1"/>
-          <p:cNvSpPr>
-            <a:spLocks noChangeAspect="1" noGrp="1" noRot="1"/>
-          </p:cNvSpPr>
-          <p:nvPr>
-            <p:ph type="sldImg"/>
-          </p:nvPr>
-        </p:nvSpPr>
-        <p:spPr bwMode="auto">
-          <a:xfrm>
-            <a:off x="685800" y="1143000"/>
-            <a:ext cx="5486400" cy="3086100"/>
-          </a:xfrm>
-        </p:spPr>
-      </p:sp>
-      <p:sp>
-        <p:nvSpPr>
-          <p:cNvPr id="1534202750" name="Notes Placeholder 2"/>
-          <p:cNvSpPr>
-            <a:spLocks noGrp="1"/>
-          </p:cNvSpPr>
-          <p:nvPr>
-            <p:ph type="body" idx="1"/>
-          </p:nvPr>
-        </p:nvSpPr>
-        <p:spPr bwMode="auto"/>
-        <p:txBody>
-          <a:bodyPr/>
-          <a:lstStyle/>
-          <a:p>
-            <a:pPr>
-              <a:defRPr/>
-            </a:pPr>
-            <a:endParaRPr lang="es-ES">
-              <a:latin typeface="Arial"/>
-              <a:cs typeface="Arial"/>
-            </a:endParaRPr>
-          </a:p>
-        </p:txBody>
-      </p:sp>
-      <p:sp>
-        <p:nvSpPr>
-          <p:cNvPr id="1789354905" name="Slide Number Placeholder 3"/>
-          <p:cNvSpPr>
-            <a:spLocks noGrp="1"/>
-          </p:cNvSpPr>
-          <p:nvPr>
-            <p:ph type="sldNum" sz="quarter" idx="10"/>
-          </p:nvPr>
-        </p:nvSpPr>
-        <p:spPr bwMode="auto"/>
-        <p:txBody>
-          <a:bodyPr/>
-          <a:lstStyle/>
-          <a:p>
-            <a:pPr>
-              <a:defRPr/>
-            </a:pPr>
-            <a:fld id="{19210C42-F8D2-4704-0E1B-0F50B4840478}" type="slidenum">
-              <a:rPr lang="es-ES"/>
-              <a:t/>
-            </a:fld>
-            <a:endParaRPr lang="es-ES"/>
-          </a:p>
-        </p:txBody>
-      </p:sp>
-    </p:spTree>
-  </p:cSld>
-</p:notes>
-</file>
-
-<file path=ppt/notesSlides/notesSlide6.xml><?xml version="1.0" encoding="utf-8"?>
-<p:notes xmlns:a="http://schemas.openxmlformats.org/drawingml/2006/main" xmlns:r="http://schemas.openxmlformats.org/officeDocument/2006/relationships" xmlns:p="http://schemas.openxmlformats.org/presentationml/2006/main" xmlns:m="http://schemas.openxmlformats.org/officeDocument/2006/math" xmlns:w="http://schemas.openxmlformats.org/wordprocessingml/2006/main">
-  <p:cSld name="">
-    <p:spTree>
-      <p:nvGrpSpPr>
-        <p:cNvPr id="1" name=""/>
-        <p:cNvGrpSpPr/>
-        <p:nvPr/>
-      </p:nvGrpSpPr>
-      <p:grpSpPr bwMode="auto">
-        <a:xfrm>
-          <a:off x="0" y="0"/>
-          <a:ext cx="0" cy="0"/>
-          <a:chOff x="0" y="0"/>
-          <a:chExt cx="0" cy="0"/>
-        </a:xfrm>
-      </p:grpSpPr>
-      <p:sp>
-        <p:nvSpPr>
-          <p:cNvPr id="2045826072" name="Slide Image Placeholder 1"/>
-          <p:cNvSpPr>
-            <a:spLocks noChangeAspect="1" noGrp="1" noRot="1"/>
-          </p:cNvSpPr>
-          <p:nvPr>
-            <p:ph type="sldImg"/>
-          </p:nvPr>
-        </p:nvSpPr>
-        <p:spPr bwMode="auto">
-          <a:xfrm>
-            <a:off x="685800" y="1143000"/>
-            <a:ext cx="5486400" cy="3086100"/>
-          </a:xfrm>
-        </p:spPr>
-      </p:sp>
-      <p:sp>
-        <p:nvSpPr>
-          <p:cNvPr id="844803733" name="Notes Placeholder 2"/>
-          <p:cNvSpPr>
-            <a:spLocks noGrp="1"/>
-          </p:cNvSpPr>
-          <p:nvPr>
-            <p:ph type="body" idx="1"/>
-          </p:nvPr>
-        </p:nvSpPr>
-        <p:spPr bwMode="auto"/>
-        <p:txBody>
-          <a:bodyPr/>
-          <a:lstStyle/>
-          <a:p>
-            <a:pPr>
-              <a:defRPr/>
-            </a:pPr>
-            <a:endParaRPr lang="es-ES">
-              <a:latin typeface="Arial"/>
-              <a:cs typeface="Arial"/>
-            </a:endParaRPr>
-          </a:p>
-        </p:txBody>
-      </p:sp>
-      <p:sp>
-        <p:nvSpPr>
-          <p:cNvPr id="205054513" name="Slide Number Placeholder 3"/>
-          <p:cNvSpPr>
-            <a:spLocks noGrp="1"/>
-          </p:cNvSpPr>
-          <p:nvPr>
-            <p:ph type="sldNum" sz="quarter" idx="10"/>
-          </p:nvPr>
-        </p:nvSpPr>
-        <p:spPr bwMode="auto"/>
-        <p:txBody>
-          <a:bodyPr/>
-          <a:lstStyle/>
-          <a:p>
-            <a:pPr>
-              <a:defRPr/>
-            </a:pPr>
-            <a:fld id="{6F7E2A5D-771D-36DF-8D19-BB504BE2041C}" type="slidenum">
-              <a:rPr lang="es-ES"/>
-              <a:t/>
-            </a:fld>
-            <a:endParaRPr lang="es-ES"/>
-          </a:p>
-        </p:txBody>
-      </p:sp>
-    </p:spTree>
-  </p:cSld>
-</p:notes>
-</file>
-
-<file path=ppt/notesSlides/notesSlide7.xml><?xml version="1.0" encoding="utf-8"?>
-<p:notes xmlns:a="http://schemas.openxmlformats.org/drawingml/2006/main" xmlns:r="http://schemas.openxmlformats.org/officeDocument/2006/relationships" xmlns:p="http://schemas.openxmlformats.org/presentationml/2006/main" xmlns:m="http://schemas.openxmlformats.org/officeDocument/2006/math" xmlns:w="http://schemas.openxmlformats.org/wordprocessingml/2006/main">
-  <p:cSld name="">
-    <p:spTree>
-      <p:nvGrpSpPr>
-        <p:cNvPr id="1" name=""/>
-        <p:cNvGrpSpPr/>
-        <p:nvPr/>
-      </p:nvGrpSpPr>
-      <p:grpSpPr bwMode="auto">
-        <a:xfrm>
-          <a:off x="0" y="0"/>
-          <a:ext cx="0" cy="0"/>
-          <a:chOff x="0" y="0"/>
-          <a:chExt cx="0" cy="0"/>
-        </a:xfrm>
-      </p:grpSpPr>
-      <p:sp>
-        <p:nvSpPr>
-          <p:cNvPr id="1434715160" name="Slide Image Placeholder 1"/>
-          <p:cNvSpPr>
-            <a:spLocks noChangeAspect="1" noGrp="1" noRot="1"/>
-          </p:cNvSpPr>
-          <p:nvPr>
-            <p:ph type="sldImg"/>
-          </p:nvPr>
-        </p:nvSpPr>
-        <p:spPr bwMode="auto">
-          <a:xfrm>
-            <a:off x="685800" y="1143000"/>
-            <a:ext cx="5486400" cy="3086100"/>
-          </a:xfrm>
-        </p:spPr>
-      </p:sp>
-      <p:sp>
-        <p:nvSpPr>
-          <p:cNvPr id="1381557511" name="Notes Placeholder 2"/>
-          <p:cNvSpPr>
-            <a:spLocks noGrp="1"/>
-          </p:cNvSpPr>
-          <p:nvPr>
-            <p:ph type="body" idx="1"/>
-          </p:nvPr>
-        </p:nvSpPr>
-        <p:spPr bwMode="auto"/>
-        <p:txBody>
-          <a:bodyPr/>
-          <a:lstStyle/>
-          <a:p>
-            <a:pPr>
-              <a:defRPr/>
-            </a:pPr>
-            <a:endParaRPr lang="es-ES">
-              <a:latin typeface="Arial"/>
-              <a:cs typeface="Arial"/>
-            </a:endParaRPr>
-          </a:p>
-        </p:txBody>
-      </p:sp>
-      <p:sp>
-        <p:nvSpPr>
-          <p:cNvPr id="2007618263" name="Slide Number Placeholder 3"/>
-          <p:cNvSpPr>
-            <a:spLocks noGrp="1"/>
-          </p:cNvSpPr>
-          <p:nvPr>
-            <p:ph type="sldNum" sz="quarter" idx="10"/>
-          </p:nvPr>
-        </p:nvSpPr>
-        <p:spPr bwMode="auto"/>
-        <p:txBody>
-          <a:bodyPr/>
-          <a:lstStyle/>
-          <a:p>
-            <a:pPr>
-              <a:defRPr/>
-            </a:pPr>
-            <a:fld id="{3F526197-B8BF-7309-9A59-55B99E6721D2}" type="slidenum">
-              <a:rPr lang="es-ES"/>
-              <a:t/>
-            </a:fld>
-            <a:endParaRPr lang="es-ES"/>
-          </a:p>
-        </p:txBody>
-      </p:sp>
-    </p:spTree>
-  </p:cSld>
-</p:notes>
-</file>
-
-<file path=ppt/notesSlides/notesSlide8.xml><?xml version="1.0" encoding="utf-8"?>
 <p:notes xmlns:a="http://schemas.openxmlformats.org/drawingml/2006/main" xmlns:r="http://schemas.openxmlformats.org/officeDocument/2006/relationships" xmlns:p="http://schemas.openxmlformats.org/presentationml/2006/main" xmlns:m="http://schemas.openxmlformats.org/officeDocument/2006/math" xmlns:w="http://schemas.openxmlformats.org/wordprocessingml/2006/main">
   <p:cSld name="">
     <p:spTree>
@@ -1664,7 +1391,7 @@
         </p:nvSpPr>
         <p:spPr bwMode="auto">
           <a:xfrm>
-            <a:off x="838199" y="365124"/>
+            <a:off x="838198" y="365124"/>
             <a:ext cx="7734299" cy="5811837"/>
           </a:xfrm>
         </p:spPr>
@@ -2307,7 +2034,7 @@
         </p:nvSpPr>
         <p:spPr bwMode="auto">
           <a:xfrm>
-            <a:off x="838199" y="1825624"/>
+            <a:off x="838198" y="1825624"/>
             <a:ext cx="5181599" cy="4351338"/>
           </a:xfrm>
         </p:spPr>
@@ -2580,7 +2307,7 @@
         <p:spPr bwMode="auto">
           <a:xfrm>
             <a:off x="839787" y="1681162"/>
-            <a:ext cx="5157786" cy="823911"/>
+            <a:ext cx="5157785" cy="823911"/>
           </a:xfrm>
         </p:spPr>
         <p:txBody>
@@ -2648,7 +2375,7 @@
         <p:spPr bwMode="auto">
           <a:xfrm>
             <a:off x="839787" y="2505074"/>
-            <a:ext cx="5157786" cy="3684587"/>
+            <a:ext cx="5157785" cy="3684587"/>
           </a:xfrm>
         </p:spPr>
         <p:txBody>
@@ -3756,7 +3483,7 @@
         </p:nvSpPr>
         <p:spPr bwMode="auto">
           <a:xfrm>
-            <a:off x="838199" y="365124"/>
+            <a:off x="838198" y="365124"/>
             <a:ext cx="10515600" cy="1325562"/>
           </a:xfrm>
           <a:prstGeom prst="rect">
@@ -3792,7 +3519,7 @@
         </p:nvSpPr>
         <p:spPr bwMode="auto">
           <a:xfrm>
-            <a:off x="838199" y="1825624"/>
+            <a:off x="838198" y="1825624"/>
             <a:ext cx="10515600" cy="4351338"/>
           </a:xfrm>
           <a:prstGeom prst="rect">
@@ -3868,7 +3595,7 @@
         </p:nvSpPr>
         <p:spPr bwMode="auto">
           <a:xfrm>
-            <a:off x="838199" y="6356349"/>
+            <a:off x="838198" y="6356349"/>
             <a:ext cx="2743200" cy="365124"/>
           </a:xfrm>
           <a:prstGeom prst="rect">
@@ -3912,7 +3639,7 @@
         </p:nvSpPr>
         <p:spPr bwMode="auto">
           <a:xfrm>
-            <a:off x="4038599" y="6356349"/>
+            <a:off x="4038598" y="6356349"/>
             <a:ext cx="4114800" cy="365124"/>
           </a:xfrm>
           <a:prstGeom prst="rect">
@@ -4714,7 +4441,7 @@
                 <a:ea typeface="Open Sans Light"/>
                 <a:cs typeface="Open Sans Light"/>
               </a:rPr>
-              <a:t>Repasamos cómo llegamos hasta la tecnología de Inteligencia Artificial en la actualidad</a:t>
+              <a:t>Repasamos la historia de la IA y cómo llegamos al crecimiento supuestamente exponencial que observamos ahora</a:t>
             </a:r>
             <a:endParaRPr>
               <a:latin typeface="Open Sans Light"/>
@@ -4725,7 +4452,7 @@
       </p:sp>
       <p:pic>
         <p:nvPicPr>
-          <p:cNvPr id="2094163029" name=""/>
+          <p:cNvPr id="2014447183" name=""/>
           <p:cNvPicPr>
             <a:picLocks noChangeAspect="1"/>
           </p:cNvPicPr>
@@ -4737,8 +4464,8 @@
         </p:blipFill>
         <p:spPr bwMode="auto">
           <a:xfrm flipH="0" flipV="0">
-            <a:off x="2011567" y="2930769"/>
-            <a:ext cx="3907692" cy="2930769"/>
+            <a:off x="753961" y="3179315"/>
+            <a:ext cx="7997011" cy="3279414"/>
           </a:xfrm>
           <a:prstGeom prst="rect">
             <a:avLst/>
@@ -4754,7 +4481,7 @@
       </p:pic>
       <p:pic>
         <p:nvPicPr>
-          <p:cNvPr id="608655785" name=""/>
+          <p:cNvPr id="2094163029" name=""/>
           <p:cNvPicPr>
             <a:picLocks noChangeAspect="1"/>
           </p:cNvPicPr>
@@ -4766,8 +4493,8 @@
         </p:blipFill>
         <p:spPr bwMode="auto">
           <a:xfrm flipH="0" flipV="0">
-            <a:off x="5204979" y="3227509"/>
-            <a:ext cx="4822895" cy="3127496"/>
+            <a:off x="6787812" y="2509470"/>
+            <a:ext cx="4296224" cy="3222168"/>
           </a:xfrm>
           <a:prstGeom prst="rect">
             <a:avLst/>
@@ -4816,7 +4543,7 @@
       </p:grpSpPr>
       <p:sp>
         <p:nvSpPr>
-          <p:cNvPr id="1826101914" name="Title 1"/>
+          <p:cNvPr id="347091935" name="Title 1"/>
           <p:cNvSpPr>
             <a:spLocks noGrp="1"/>
           </p:cNvSpPr>
@@ -4826,7 +4553,7 @@
         </p:nvSpPr>
         <p:spPr bwMode="auto">
           <a:xfrm flipH="0" flipV="0">
-            <a:off x="827941" y="457930"/>
+            <a:off x="827941" y="457929"/>
             <a:ext cx="8361893" cy="934182"/>
           </a:xfrm>
         </p:spPr>
@@ -4845,7 +4572,7 @@
                 <a:ea typeface="Open Sans Extrabold"/>
                 <a:cs typeface="Open Sans Extrabold"/>
               </a:rPr>
-              <a:t>Crecimiento exponencial</a:t>
+              <a:t>Limitaciones</a:t>
             </a:r>
             <a:endParaRPr sz="4800">
               <a:latin typeface="Open Sans Extrabold"/>
@@ -4856,7 +4583,7 @@
       </p:sp>
       <p:sp>
         <p:nvSpPr>
-          <p:cNvPr id="523711385" name="Subtitle 2"/>
+          <p:cNvPr id="987062489" name="Subtitle 2"/>
           <p:cNvSpPr>
             <a:spLocks noGrp="1"/>
           </p:cNvSpPr>
@@ -4867,7 +4594,7 @@
         <p:spPr bwMode="auto">
           <a:xfrm flipH="0" flipV="0">
             <a:off x="827941" y="1477229"/>
-            <a:ext cx="9559846" cy="995606"/>
+            <a:ext cx="9559846" cy="995605"/>
           </a:xfrm>
         </p:spPr>
         <p:txBody>
@@ -4880,12 +4607,11 @@
               <a:defRPr/>
             </a:pPr>
             <a:r>
-              <a:rPr lang="es-ES">
+              <a:rPr>
                 <a:latin typeface="Open Sans Light"/>
-                <a:ea typeface="Open Sans Light"/>
                 <a:cs typeface="Open Sans Light"/>
               </a:rPr>
-              <a:t>¿Es realmente “exponencial” la aceleración en los descubrimientos relacionados a la IA?</a:t>
+              <a:t>La escasez de recursos naturales converge con la falta de datos de calidad</a:t>
             </a:r>
             <a:endParaRPr>
               <a:latin typeface="Open Sans Light"/>
@@ -4896,7 +4622,7 @@
       </p:sp>
       <p:pic>
         <p:nvPicPr>
-          <p:cNvPr id="1018495562" name=""/>
+          <p:cNvPr id="844988603" name=""/>
           <p:cNvPicPr>
             <a:picLocks noChangeAspect="1"/>
           </p:cNvPicPr>
@@ -4907,9 +4633,38 @@
           <a:stretch/>
         </p:blipFill>
         <p:spPr bwMode="auto">
-          <a:xfrm>
-            <a:off x="1938337" y="2967403"/>
-            <a:ext cx="8315325" cy="3409949"/>
+          <a:xfrm flipH="0" flipV="0">
+            <a:off x="936656" y="3356868"/>
+            <a:ext cx="5159342" cy="2902129"/>
+          </a:xfrm>
+          <a:prstGeom prst="rect">
+            <a:avLst/>
+          </a:prstGeom>
+          <a:effectLst>
+            <a:outerShdw blurRad="50800" dist="38100" dir="2700000" algn="tl" rotWithShape="0">
+              <a:prstClr val="black">
+                <a:alpha val="40000"/>
+              </a:prstClr>
+            </a:outerShdw>
+          </a:effectLst>
+        </p:spPr>
+      </p:pic>
+      <p:pic>
+        <p:nvPicPr>
+          <p:cNvPr id="1060470807" name=""/>
+          <p:cNvPicPr>
+            <a:picLocks noChangeAspect="1"/>
+          </p:cNvPicPr>
+          <p:nvPr/>
+        </p:nvPicPr>
+        <p:blipFill>
+          <a:blip r:embed="rId4"/>
+          <a:stretch/>
+        </p:blipFill>
+        <p:spPr bwMode="auto">
+          <a:xfrm flipH="0" flipV="0">
+            <a:off x="4814688" y="2684111"/>
+            <a:ext cx="6575926" cy="3001537"/>
           </a:xfrm>
           <a:prstGeom prst="rect">
             <a:avLst/>
@@ -4958,7 +4713,7 @@
       </p:grpSpPr>
       <p:sp>
         <p:nvSpPr>
-          <p:cNvPr id="347091935" name="Title 1"/>
+          <p:cNvPr id="906769779" name="Title 1"/>
           <p:cNvSpPr>
             <a:spLocks noGrp="1"/>
           </p:cNvSpPr>
@@ -4987,7 +4742,7 @@
                 <a:ea typeface="Open Sans Extrabold"/>
                 <a:cs typeface="Open Sans Extrabold"/>
               </a:rPr>
-              <a:t>Limitaciones</a:t>
+              <a:t>Conclusión</a:t>
             </a:r>
             <a:endParaRPr sz="4800">
               <a:latin typeface="Open Sans Extrabold"/>
@@ -4998,7 +4753,7 @@
       </p:sp>
       <p:sp>
         <p:nvSpPr>
-          <p:cNvPr id="987062489" name="Subtitle 2"/>
+          <p:cNvPr id="881734435" name="Subtitle 2"/>
           <p:cNvSpPr>
             <a:spLocks noGrp="1"/>
           </p:cNvSpPr>
@@ -5026,7 +4781,7 @@
                 <a:latin typeface="Open Sans Light"/>
                 <a:cs typeface="Open Sans Light"/>
               </a:rPr>
-              <a:t>La escasez de recursos naturales converge con la falta de datos de calidad</a:t>
+              <a:t>Razones por las cuales es importante avanzar sobre regulación en la industria IT con respecto a la IA</a:t>
             </a:r>
             <a:endParaRPr>
               <a:latin typeface="Open Sans Light"/>
@@ -5037,7 +4792,7 @@
       </p:sp>
       <p:pic>
         <p:nvPicPr>
-          <p:cNvPr id="1060470807" name=""/>
+          <p:cNvPr id="1344482134" name=""/>
           <p:cNvPicPr>
             <a:picLocks noChangeAspect="1"/>
           </p:cNvPicPr>
@@ -5049,8 +4804,37 @@
         </p:blipFill>
         <p:spPr bwMode="auto">
           <a:xfrm flipH="0" flipV="0">
-            <a:off x="2302690" y="2869063"/>
-            <a:ext cx="7586619" cy="3462862"/>
+            <a:off x="1793073" y="2880967"/>
+            <a:ext cx="7237211" cy="3515435"/>
+          </a:xfrm>
+          <a:prstGeom prst="rect">
+            <a:avLst/>
+          </a:prstGeom>
+          <a:effectLst>
+            <a:outerShdw blurRad="50800" dist="38100" dir="2700000" algn="tl" rotWithShape="0">
+              <a:prstClr val="black">
+                <a:alpha val="40000"/>
+              </a:prstClr>
+            </a:outerShdw>
+          </a:effectLst>
+        </p:spPr>
+      </p:pic>
+      <p:pic>
+        <p:nvPicPr>
+          <p:cNvPr id="1075943345" name=""/>
+          <p:cNvPicPr>
+            <a:picLocks noChangeAspect="1"/>
+          </p:cNvPicPr>
+          <p:nvPr/>
+        </p:nvPicPr>
+        <p:blipFill>
+          <a:blip r:embed="rId4"/>
+          <a:stretch/>
+        </p:blipFill>
+        <p:spPr bwMode="auto">
+          <a:xfrm flipH="0" flipV="0">
+            <a:off x="7043713" y="2556061"/>
+            <a:ext cx="3556767" cy="2667575"/>
           </a:xfrm>
           <a:prstGeom prst="rect">
             <a:avLst/>
@@ -5081,429 +4865,6 @@
 </file>
 
 <file path=ppt/slides/slide5.xml><?xml version="1.0" encoding="utf-8"?>
-<p:sld xmlns:a="http://schemas.openxmlformats.org/drawingml/2006/main" xmlns:r="http://schemas.openxmlformats.org/officeDocument/2006/relationships" xmlns:p="http://schemas.openxmlformats.org/presentationml/2006/main" xmlns:m="http://schemas.openxmlformats.org/officeDocument/2006/math" xmlns:w="http://schemas.openxmlformats.org/wordprocessingml/2006/main" showMasterPhAnim="0" show="1">
-  <p:cSld name="">
-    <p:spTree>
-      <p:nvGrpSpPr>
-        <p:cNvPr id="1" name=""/>
-        <p:cNvGrpSpPr/>
-        <p:nvPr/>
-      </p:nvGrpSpPr>
-      <p:grpSpPr bwMode="auto">
-        <a:xfrm>
-          <a:off x="0" y="0"/>
-          <a:ext cx="0" cy="0"/>
-          <a:chOff x="0" y="0"/>
-          <a:chExt cx="0" cy="0"/>
-        </a:xfrm>
-      </p:grpSpPr>
-      <p:sp>
-        <p:nvSpPr>
-          <p:cNvPr id="321465178" name="Title 1"/>
-          <p:cNvSpPr>
-            <a:spLocks noGrp="1"/>
-          </p:cNvSpPr>
-          <p:nvPr>
-            <p:ph type="ctrTitle"/>
-          </p:nvPr>
-        </p:nvSpPr>
-        <p:spPr bwMode="auto">
-          <a:xfrm flipH="0" flipV="0">
-            <a:off x="827941" y="457929"/>
-            <a:ext cx="8361893" cy="934182"/>
-          </a:xfrm>
-        </p:spPr>
-        <p:txBody>
-          <a:bodyPr vertOverflow="overflow" horzOverflow="overflow" vert="horz" wrap="square" lIns="91440" tIns="45720" rIns="91440" bIns="45720" numCol="1" spcCol="0" rtlCol="0" fromWordArt="0" anchor="b" anchorCtr="0" forceAA="0" upright="0" compatLnSpc="0">
-            <a:normAutofit/>
-          </a:bodyPr>
-          <a:lstStyle/>
-          <a:p>
-            <a:pPr algn="l">
-              <a:defRPr/>
-            </a:pPr>
-            <a:r>
-              <a:rPr lang="es-ES" sz="4800">
-                <a:latin typeface="Open Sans Extrabold"/>
-                <a:ea typeface="Open Sans Extrabold"/>
-                <a:cs typeface="Open Sans Extrabold"/>
-              </a:rPr>
-              <a:t>Recursos naturales</a:t>
-            </a:r>
-            <a:endParaRPr sz="4800">
-              <a:latin typeface="Open Sans Extrabold"/>
-              <a:cs typeface="Open Sans Extrabold"/>
-            </a:endParaRPr>
-          </a:p>
-        </p:txBody>
-      </p:sp>
-      <p:sp>
-        <p:nvSpPr>
-          <p:cNvPr id="699575007" name="Subtitle 2"/>
-          <p:cNvSpPr>
-            <a:spLocks noGrp="1"/>
-          </p:cNvSpPr>
-          <p:nvPr>
-            <p:ph type="subTitle" idx="1"/>
-          </p:nvPr>
-        </p:nvSpPr>
-        <p:spPr bwMode="auto">
-          <a:xfrm flipH="0" flipV="0">
-            <a:off x="827941" y="1477229"/>
-            <a:ext cx="9559846" cy="995605"/>
-          </a:xfrm>
-        </p:spPr>
-        <p:txBody>
-          <a:bodyPr vertOverflow="overflow" horzOverflow="overflow" vert="horz" wrap="square" lIns="91440" tIns="45720" rIns="91440" bIns="45720" numCol="1" spcCol="0" rtlCol="0" fromWordArt="0" anchor="t" anchorCtr="0" forceAA="0" upright="0" compatLnSpc="0">
-            <a:normAutofit/>
-          </a:bodyPr>
-          <a:lstStyle/>
-          <a:p>
-            <a:pPr algn="l">
-              <a:defRPr/>
-            </a:pPr>
-            <a:r>
-              <a:rPr>
-                <a:latin typeface="Open Sans Light"/>
-                <a:cs typeface="Open Sans Light"/>
-              </a:rPr>
-              <a:t>El impacto de la industria minera en países del tercer mundo</a:t>
-            </a:r>
-            <a:endParaRPr>
-              <a:latin typeface="Open Sans Light"/>
-              <a:cs typeface="Open Sans Light"/>
-            </a:endParaRPr>
-          </a:p>
-        </p:txBody>
-      </p:sp>
-      <p:pic>
-        <p:nvPicPr>
-          <p:cNvPr id="1433097882" name=""/>
-          <p:cNvPicPr>
-            <a:picLocks noChangeAspect="1"/>
-          </p:cNvPicPr>
-          <p:nvPr/>
-        </p:nvPicPr>
-        <p:blipFill>
-          <a:blip r:embed="rId3"/>
-          <a:stretch/>
-        </p:blipFill>
-        <p:spPr bwMode="auto">
-          <a:xfrm flipH="0" flipV="0">
-            <a:off x="2966509" y="2784140"/>
-            <a:ext cx="6258980" cy="3520676"/>
-          </a:xfrm>
-          <a:prstGeom prst="rect">
-            <a:avLst/>
-          </a:prstGeom>
-          <a:effectLst>
-            <a:outerShdw blurRad="50800" dist="38100" dir="2700000" algn="tl" rotWithShape="0">
-              <a:prstClr val="black">
-                <a:alpha val="40000"/>
-              </a:prstClr>
-            </a:outerShdw>
-          </a:effectLst>
-        </p:spPr>
-      </p:pic>
-    </p:spTree>
-  </p:cSld>
-  <p:clrMapOvr>
-    <a:masterClrMapping/>
-  </p:clrMapOvr>
-  <mc:AlternateContent xmlns:mc="http://schemas.openxmlformats.org/markup-compatibility/2006">
-    <mc:Choice xmlns:p159="http://schemas.microsoft.com/office/powerpoint/2015/09/main" xmlns:p14="http://schemas.microsoft.com/office/powerpoint/2010/main" Requires="p159">
-      <p:transition p14:dur="2000" advClick="1"/>
-    </mc:Choice>
-    <mc:Fallback>
-      <p:transition advClick="1"/>
-    </mc:Fallback>
-  </mc:AlternateContent>
-</p:sld>
-</file>
-
-<file path=ppt/slides/slide6.xml><?xml version="1.0" encoding="utf-8"?>
-<p:sld xmlns:a="http://schemas.openxmlformats.org/drawingml/2006/main" xmlns:r="http://schemas.openxmlformats.org/officeDocument/2006/relationships" xmlns:p="http://schemas.openxmlformats.org/presentationml/2006/main" xmlns:m="http://schemas.openxmlformats.org/officeDocument/2006/math" xmlns:w="http://schemas.openxmlformats.org/wordprocessingml/2006/main" showMasterPhAnim="0" show="1">
-  <p:cSld name="">
-    <p:spTree>
-      <p:nvGrpSpPr>
-        <p:cNvPr id="1" name=""/>
-        <p:cNvGrpSpPr/>
-        <p:nvPr/>
-      </p:nvGrpSpPr>
-      <p:grpSpPr bwMode="auto">
-        <a:xfrm>
-          <a:off x="0" y="0"/>
-          <a:ext cx="0" cy="0"/>
-          <a:chOff x="0" y="0"/>
-          <a:chExt cx="0" cy="0"/>
-        </a:xfrm>
-      </p:grpSpPr>
-      <p:sp>
-        <p:nvSpPr>
-          <p:cNvPr id="1214780327" name="Title 1"/>
-          <p:cNvSpPr>
-            <a:spLocks noGrp="1"/>
-          </p:cNvSpPr>
-          <p:nvPr>
-            <p:ph type="ctrTitle"/>
-          </p:nvPr>
-        </p:nvSpPr>
-        <p:spPr bwMode="auto">
-          <a:xfrm flipH="0" flipV="0">
-            <a:off x="827941" y="457929"/>
-            <a:ext cx="8361893" cy="934182"/>
-          </a:xfrm>
-        </p:spPr>
-        <p:txBody>
-          <a:bodyPr vertOverflow="overflow" horzOverflow="overflow" vert="horz" wrap="square" lIns="91440" tIns="45720" rIns="91440" bIns="45720" numCol="1" spcCol="0" rtlCol="0" fromWordArt="0" anchor="b" anchorCtr="0" forceAA="0" upright="0" compatLnSpc="0">
-            <a:normAutofit/>
-          </a:bodyPr>
-          <a:lstStyle/>
-          <a:p>
-            <a:pPr algn="l">
-              <a:defRPr/>
-            </a:pPr>
-            <a:r>
-              <a:rPr lang="es-ES" sz="4800">
-                <a:latin typeface="Open Sans Extrabold"/>
-                <a:ea typeface="Open Sans Extrabold"/>
-                <a:cs typeface="Open Sans Extrabold"/>
-              </a:rPr>
-              <a:t>Consecuencias éticas</a:t>
-            </a:r>
-            <a:endParaRPr sz="4800">
-              <a:latin typeface="Open Sans Extrabold"/>
-              <a:cs typeface="Open Sans Extrabold"/>
-            </a:endParaRPr>
-          </a:p>
-        </p:txBody>
-      </p:sp>
-      <p:sp>
-        <p:nvSpPr>
-          <p:cNvPr id="938956468" name="Subtitle 2"/>
-          <p:cNvSpPr>
-            <a:spLocks noGrp="1"/>
-          </p:cNvSpPr>
-          <p:nvPr>
-            <p:ph type="subTitle" idx="1"/>
-          </p:nvPr>
-        </p:nvSpPr>
-        <p:spPr bwMode="auto">
-          <a:xfrm flipH="0" flipV="0">
-            <a:off x="827941" y="1477229"/>
-            <a:ext cx="9559846" cy="995605"/>
-          </a:xfrm>
-        </p:spPr>
-        <p:txBody>
-          <a:bodyPr vertOverflow="overflow" horzOverflow="overflow" vert="horz" wrap="square" lIns="91440" tIns="45720" rIns="91440" bIns="45720" numCol="1" spcCol="0" rtlCol="0" fromWordArt="0" anchor="t" anchorCtr="0" forceAA="0" upright="0" compatLnSpc="0">
-            <a:normAutofit/>
-          </a:bodyPr>
-          <a:lstStyle/>
-          <a:p>
-            <a:pPr algn="l">
-              <a:defRPr/>
-            </a:pPr>
-            <a:r>
-              <a:rPr>
-                <a:latin typeface="Open Sans Light"/>
-                <a:cs typeface="Open Sans Light"/>
-              </a:rPr>
-              <a:t>Analizamos el impacto de la IA en base al trabajo de Kate Crawford</a:t>
-            </a:r>
-            <a:endParaRPr>
-              <a:latin typeface="Open Sans Light"/>
-              <a:cs typeface="Open Sans Light"/>
-            </a:endParaRPr>
-          </a:p>
-        </p:txBody>
-      </p:sp>
-      <p:pic>
-        <p:nvPicPr>
-          <p:cNvPr id="956584113" name=""/>
-          <p:cNvPicPr>
-            <a:picLocks noChangeAspect="1"/>
-          </p:cNvPicPr>
-          <p:nvPr/>
-        </p:nvPicPr>
-        <p:blipFill>
-          <a:blip r:embed="rId3"/>
-          <a:stretch/>
-        </p:blipFill>
-        <p:spPr bwMode="auto">
-          <a:xfrm flipH="0" flipV="0">
-            <a:off x="3308531" y="2399566"/>
-            <a:ext cx="5574937" cy="4181203"/>
-          </a:xfrm>
-          <a:prstGeom prst="rect">
-            <a:avLst/>
-          </a:prstGeom>
-          <a:effectLst>
-            <a:outerShdw blurRad="50800" dist="38100" dir="2700000" algn="tl" rotWithShape="0">
-              <a:prstClr val="black">
-                <a:alpha val="40000"/>
-              </a:prstClr>
-            </a:outerShdw>
-          </a:effectLst>
-        </p:spPr>
-      </p:pic>
-    </p:spTree>
-  </p:cSld>
-  <p:clrMapOvr>
-    <a:masterClrMapping/>
-  </p:clrMapOvr>
-  <mc:AlternateContent xmlns:mc="http://schemas.openxmlformats.org/markup-compatibility/2006">
-    <mc:Choice xmlns:p159="http://schemas.microsoft.com/office/powerpoint/2015/09/main" xmlns:p14="http://schemas.microsoft.com/office/powerpoint/2010/main" Requires="p159">
-      <p:transition p14:dur="2000" advClick="1"/>
-    </mc:Choice>
-    <mc:Fallback>
-      <p:transition advClick="1"/>
-    </mc:Fallback>
-  </mc:AlternateContent>
-</p:sld>
-</file>
-
-<file path=ppt/slides/slide7.xml><?xml version="1.0" encoding="utf-8"?>
-<p:sld xmlns:a="http://schemas.openxmlformats.org/drawingml/2006/main" xmlns:r="http://schemas.openxmlformats.org/officeDocument/2006/relationships" xmlns:p="http://schemas.openxmlformats.org/presentationml/2006/main" xmlns:m="http://schemas.openxmlformats.org/officeDocument/2006/math" xmlns:w="http://schemas.openxmlformats.org/wordprocessingml/2006/main" showMasterPhAnim="0" show="1">
-  <p:cSld name="">
-    <p:spTree>
-      <p:nvGrpSpPr>
-        <p:cNvPr id="1" name=""/>
-        <p:cNvGrpSpPr/>
-        <p:nvPr/>
-      </p:nvGrpSpPr>
-      <p:grpSpPr bwMode="auto">
-        <a:xfrm>
-          <a:off x="0" y="0"/>
-          <a:ext cx="0" cy="0"/>
-          <a:chOff x="0" y="0"/>
-          <a:chExt cx="0" cy="0"/>
-        </a:xfrm>
-      </p:grpSpPr>
-      <p:sp>
-        <p:nvSpPr>
-          <p:cNvPr id="906769779" name="Title 1"/>
-          <p:cNvSpPr>
-            <a:spLocks noGrp="1"/>
-          </p:cNvSpPr>
-          <p:nvPr>
-            <p:ph type="ctrTitle"/>
-          </p:nvPr>
-        </p:nvSpPr>
-        <p:spPr bwMode="auto">
-          <a:xfrm flipH="0" flipV="0">
-            <a:off x="827941" y="457929"/>
-            <a:ext cx="8361893" cy="934182"/>
-          </a:xfrm>
-        </p:spPr>
-        <p:txBody>
-          <a:bodyPr vertOverflow="overflow" horzOverflow="overflow" vert="horz" wrap="square" lIns="91440" tIns="45720" rIns="91440" bIns="45720" numCol="1" spcCol="0" rtlCol="0" fromWordArt="0" anchor="b" anchorCtr="0" forceAA="0" upright="0" compatLnSpc="0">
-            <a:normAutofit/>
-          </a:bodyPr>
-          <a:lstStyle/>
-          <a:p>
-            <a:pPr algn="l">
-              <a:defRPr/>
-            </a:pPr>
-            <a:r>
-              <a:rPr lang="es-ES" sz="4800">
-                <a:latin typeface="Open Sans Extrabold"/>
-                <a:ea typeface="Open Sans Extrabold"/>
-                <a:cs typeface="Open Sans Extrabold"/>
-              </a:rPr>
-              <a:t>Conclusión</a:t>
-            </a:r>
-            <a:endParaRPr sz="4800">
-              <a:latin typeface="Open Sans Extrabold"/>
-              <a:cs typeface="Open Sans Extrabold"/>
-            </a:endParaRPr>
-          </a:p>
-        </p:txBody>
-      </p:sp>
-      <p:sp>
-        <p:nvSpPr>
-          <p:cNvPr id="881734435" name="Subtitle 2"/>
-          <p:cNvSpPr>
-            <a:spLocks noGrp="1"/>
-          </p:cNvSpPr>
-          <p:nvPr>
-            <p:ph type="subTitle" idx="1"/>
-          </p:nvPr>
-        </p:nvSpPr>
-        <p:spPr bwMode="auto">
-          <a:xfrm flipH="0" flipV="0">
-            <a:off x="827941" y="1477229"/>
-            <a:ext cx="9559846" cy="995605"/>
-          </a:xfrm>
-        </p:spPr>
-        <p:txBody>
-          <a:bodyPr vertOverflow="overflow" horzOverflow="overflow" vert="horz" wrap="square" lIns="91440" tIns="45720" rIns="91440" bIns="45720" numCol="1" spcCol="0" rtlCol="0" fromWordArt="0" anchor="t" anchorCtr="0" forceAA="0" upright="0" compatLnSpc="0">
-            <a:normAutofit/>
-          </a:bodyPr>
-          <a:lstStyle/>
-          <a:p>
-            <a:pPr algn="l">
-              <a:defRPr/>
-            </a:pPr>
-            <a:r>
-              <a:rPr>
-                <a:latin typeface="Open Sans Light"/>
-                <a:cs typeface="Open Sans Light"/>
-              </a:rPr>
-              <a:t>Razones por las cuales es importante avanzar sobre regulación en la industria IT con respecto a la IA</a:t>
-            </a:r>
-            <a:endParaRPr>
-              <a:latin typeface="Open Sans Light"/>
-              <a:cs typeface="Open Sans Light"/>
-            </a:endParaRPr>
-          </a:p>
-        </p:txBody>
-      </p:sp>
-      <p:pic>
-        <p:nvPicPr>
-          <p:cNvPr id="1344482134" name=""/>
-          <p:cNvPicPr>
-            <a:picLocks noChangeAspect="1"/>
-          </p:cNvPicPr>
-          <p:nvPr/>
-        </p:nvPicPr>
-        <p:blipFill>
-          <a:blip r:embed="rId3"/>
-          <a:stretch/>
-        </p:blipFill>
-        <p:spPr bwMode="auto">
-          <a:xfrm flipH="0" flipV="0">
-            <a:off x="2477394" y="2880968"/>
-            <a:ext cx="7237211" cy="3515435"/>
-          </a:xfrm>
-          <a:prstGeom prst="rect">
-            <a:avLst/>
-          </a:prstGeom>
-          <a:effectLst>
-            <a:outerShdw blurRad="50800" dist="38100" dir="2700000" algn="tl" rotWithShape="0">
-              <a:prstClr val="black">
-                <a:alpha val="40000"/>
-              </a:prstClr>
-            </a:outerShdw>
-          </a:effectLst>
-        </p:spPr>
-      </p:pic>
-    </p:spTree>
-  </p:cSld>
-  <p:clrMapOvr>
-    <a:masterClrMapping/>
-  </p:clrMapOvr>
-  <mc:AlternateContent xmlns:mc="http://schemas.openxmlformats.org/markup-compatibility/2006">
-    <mc:Choice xmlns:p159="http://schemas.microsoft.com/office/powerpoint/2015/09/main" xmlns:p14="http://schemas.microsoft.com/office/powerpoint/2010/main" Requires="p159">
-      <p:transition p14:dur="2000" advClick="1"/>
-    </mc:Choice>
-    <mc:Fallback>
-      <p:transition advClick="1"/>
-    </mc:Fallback>
-  </mc:AlternateContent>
-</p:sld>
-</file>
-
-<file path=ppt/slides/slide8.xml><?xml version="1.0" encoding="utf-8"?>
 <p:sld xmlns:a="http://schemas.openxmlformats.org/drawingml/2006/main" xmlns:r="http://schemas.openxmlformats.org/officeDocument/2006/relationships" xmlns:p="http://schemas.openxmlformats.org/presentationml/2006/main" xmlns:m="http://schemas.openxmlformats.org/officeDocument/2006/math" xmlns:w="http://schemas.openxmlformats.org/wordprocessingml/2006/main" showMasterPhAnim="0" show="1">
   <p:cSld name="">
     <p:spTree>
